--- a/上海卡方信息科技有限公司/产品兼容互认证明-卡方.pptx
+++ b/上海卡方信息科技有限公司/产品兼容互认证明-卡方.pptx
@@ -305,7 +305,7 @@
             <a:fld id="{0F9B84EA-7D68-4D60-9CB1-D50884785D1C}" type="datetimeFigureOut">
               <a:rPr lang="zh-CN" altLang="en-US" smtClean="0"/>
               <a:pPr/>
-              <a:t>2023/6/16</a:t>
+              <a:t>2023/6/19</a:t>
             </a:fld>
             <a:endParaRPr lang="zh-CN" altLang="en-US"/>
           </a:p>
@@ -472,7 +472,7 @@
             <a:fld id="{D2A48B96-639E-45A3-A0BA-2464DFDB1FAA}" type="datetimeFigureOut">
               <a:rPr lang="zh-CN" altLang="en-US" smtClean="0"/>
               <a:pPr/>
-              <a:t>2023/6/16</a:t>
+              <a:t>2023/6/19</a:t>
             </a:fld>
             <a:endParaRPr lang="zh-CN" altLang="en-US"/>
           </a:p>
@@ -3659,19 +3659,15 @@
               </a:lnSpc>
             </a:pPr>
             <a:r>
-              <a:rPr lang="zh-CN" altLang="en-US" sz="1400" b="0" i="0">
-                <a:solidFill>
-                  <a:srgbClr val="666666"/>
-                </a:solidFill>
-                <a:effectLst/>
-                <a:latin typeface="Microsoft YaHei" panose="020B0503020204020204" pitchFamily="34" charset="-122"/>
-                <a:ea typeface="Microsoft YaHei" panose="020B0503020204020204" pitchFamily="34" charset="-122"/>
+              <a:rPr lang="zh-CN" altLang="en-US" sz="1400">
+                <a:latin typeface="微软雅黑" panose="020B0503020204020204" pitchFamily="34" charset="-122"/>
+                <a:ea typeface="微软雅黑" panose="020B0503020204020204" pitchFamily="34" charset="-122"/>
               </a:rPr>
               <a:t>泽拓科技（深圳）有限责任公司</a:t>
             </a:r>
             <a:endParaRPr lang="en-US" altLang="zh-CN" sz="1400">
-              <a:latin typeface="Arial" panose="020B0604020202020204" pitchFamily="34" charset="0"/>
-              <a:ea typeface="微软雅黑" panose="020B0503020204020204" charset="-122"/>
+              <a:latin typeface="微软雅黑" panose="020B0503020204020204" pitchFamily="34" charset="-122"/>
+              <a:ea typeface="微软雅黑" panose="020B0503020204020204" pitchFamily="34" charset="-122"/>
             </a:endParaRPr>
           </a:p>
           <a:p>
